--- a/doc/isc15/xalt-tutorial-slides.pptx
+++ b/doc/isc15/xalt-tutorial-slides.pptx
@@ -258,7 +258,7 @@
           <a:p>
             <a:fld id="{B603D090-D7AA-0E49-A1A6-54B70636242B}" type="datetimeFigureOut">
               <a:rPr lang="en-US" smtClean="0"/>
-              <a:t>2/8/15</a:t>
+              <a:t>2/11/15</a:t>
             </a:fld>
             <a:endParaRPr lang="en-US"/>
           </a:p>
@@ -424,7 +424,7 @@
           <a:p>
             <a:fld id="{FA9B7832-276C-E341-97C6-C8CB6B6B36FA}" type="datetimeFigureOut">
               <a:rPr lang="en-US" smtClean="0"/>
-              <a:t>2/8/15</a:t>
+              <a:t>2/11/15</a:t>
             </a:fld>
             <a:endParaRPr lang="en-US"/>
           </a:p>
@@ -5208,10 +5208,6 @@
             <a:endParaRPr lang="en-US" dirty="0" smtClean="0"/>
           </a:p>
           <a:p>
-            <a:r>
-              <a:rPr lang="en-US" dirty="0" smtClean="0"/>
-              <a:t>Put conference here</a:t>
-            </a:r>
             <a:endParaRPr lang="en-US" dirty="0"/>
           </a:p>
         </p:txBody>
